--- a/20184219 서인혁 sw프로젝트 1.pptx
+++ b/20184219 서인혁 sw프로젝트 1.pptx
@@ -5,16 +5,18 @@
     <p:sldMasterId id="2147483674" r:id="rId1"/>
   </p:sldMasterIdLst>
   <p:notesMasterIdLst>
-    <p:notesMasterId r:id="rId6"/>
+    <p:notesMasterId r:id="rId8"/>
   </p:notesMasterIdLst>
   <p:handoutMasterIdLst>
-    <p:handoutMasterId r:id="rId7"/>
+    <p:handoutMasterId r:id="rId9"/>
   </p:handoutMasterIdLst>
   <p:sldIdLst>
     <p:sldId id="257" r:id="rId2"/>
-    <p:sldId id="263" r:id="rId3"/>
-    <p:sldId id="261" r:id="rId4"/>
-    <p:sldId id="262" r:id="rId5"/>
+    <p:sldId id="264" r:id="rId3"/>
+    <p:sldId id="263" r:id="rId4"/>
+    <p:sldId id="265" r:id="rId5"/>
+    <p:sldId id="261" r:id="rId6"/>
+    <p:sldId id="262" r:id="rId7"/>
   </p:sldIdLst>
   <p:sldSz cx="12192000" cy="6858000"/>
   <p:notesSz cx="6858000" cy="9144000"/>
@@ -208,7 +210,7 @@
             <a:pPr rtl="0"/>
             <a:fld id="{8F839092-15F8-4C72-A6BC-E11C1D12CDAA}" type="datetime1">
               <a:rPr lang="ko-KR" altLang="en-US" smtClean="0"/>
-              <a:t>2022-07-07</a:t>
+              <a:t>2022-07-11</a:t>
             </a:fld>
             <a:endParaRPr lang="en-US"/>
           </a:p>
@@ -378,7 +380,7 @@
             <a:pPr rtl="0"/>
             <a:fld id="{B834EDFF-C18C-466F-B693-08283F9FE7CF}" type="datetime1">
               <a:rPr lang="ko-KR" altLang="en-US" smtClean="0"/>
-              <a:t>2022-07-07</a:t>
+              <a:t>2022-07-11</a:t>
             </a:fld>
             <a:endParaRPr lang="en-US"/>
           </a:p>
@@ -1373,7 +1375,7 @@
           <a:p>
             <a:fld id="{0421086B-92A0-4D22-94D7-207C8E029793}" type="datetime1">
               <a:rPr lang="ko-KR" altLang="en-US" smtClean="0"/>
-              <a:t>2022-07-07</a:t>
+              <a:t>2022-07-11</a:t>
             </a:fld>
             <a:endParaRPr lang="en-US" dirty="0"/>
           </a:p>
@@ -1625,7 +1627,7 @@
           <a:p>
             <a:fld id="{98D2B5FF-957F-493E-A036-A1B14CB1BDF4}" type="datetime1">
               <a:rPr lang="ko-KR" altLang="en-US" smtClean="0"/>
-              <a:t>2022-07-07</a:t>
+              <a:t>2022-07-11</a:t>
             </a:fld>
             <a:endParaRPr lang="en-US" dirty="0"/>
           </a:p>
@@ -1941,7 +1943,7 @@
           <a:p>
             <a:fld id="{98D2B5FF-957F-493E-A036-A1B14CB1BDF4}" type="datetime1">
               <a:rPr lang="ko-KR" altLang="en-US" smtClean="0"/>
-              <a:t>2022-07-07</a:t>
+              <a:t>2022-07-11</a:t>
             </a:fld>
             <a:endParaRPr lang="en-US" dirty="0"/>
           </a:p>
@@ -2284,7 +2286,7 @@
           <a:p>
             <a:fld id="{98D2B5FF-957F-493E-A036-A1B14CB1BDF4}" type="datetime1">
               <a:rPr lang="ko-KR" altLang="en-US" smtClean="0"/>
-              <a:t>2022-07-07</a:t>
+              <a:t>2022-07-11</a:t>
             </a:fld>
             <a:endParaRPr lang="en-US" dirty="0"/>
           </a:p>
@@ -2600,7 +2602,7 @@
           <a:p>
             <a:fld id="{98D2B5FF-957F-493E-A036-A1B14CB1BDF4}" type="datetime1">
               <a:rPr lang="ko-KR" altLang="en-US" smtClean="0"/>
-              <a:t>2022-07-07</a:t>
+              <a:t>2022-07-11</a:t>
             </a:fld>
             <a:endParaRPr lang="en-US" dirty="0"/>
           </a:p>
@@ -2995,7 +2997,7 @@
           <a:p>
             <a:fld id="{98D2B5FF-957F-493E-A036-A1B14CB1BDF4}" type="datetime1">
               <a:rPr lang="ko-KR" altLang="en-US" smtClean="0"/>
-              <a:t>2022-07-07</a:t>
+              <a:t>2022-07-11</a:t>
             </a:fld>
             <a:endParaRPr lang="en-US" dirty="0"/>
           </a:p>
@@ -3167,7 +3169,7 @@
           <a:p>
             <a:fld id="{9AA789D4-F75C-46F1-A8E1-B49D7553F821}" type="datetime1">
               <a:rPr lang="ko-KR" altLang="en-US" smtClean="0"/>
-              <a:t>2022-07-07</a:t>
+              <a:t>2022-07-11</a:t>
             </a:fld>
             <a:endParaRPr lang="en-US"/>
           </a:p>
@@ -3348,7 +3350,7 @@
           <a:p>
             <a:fld id="{6E95217A-41F5-40B0-A1B1-26DD36AFCC5B}" type="datetime1">
               <a:rPr lang="ko-KR" altLang="en-US" smtClean="0"/>
-              <a:t>2022-07-07</a:t>
+              <a:t>2022-07-11</a:t>
             </a:fld>
             <a:endParaRPr lang="en-US"/>
           </a:p>
@@ -3525,7 +3527,7 @@
           <a:p>
             <a:fld id="{2EABA43C-120F-4415-98B3-372D2FECC855}" type="datetime1">
               <a:rPr lang="ko-KR" altLang="en-US" smtClean="0"/>
-              <a:t>2022-07-07</a:t>
+              <a:t>2022-07-11</a:t>
             </a:fld>
             <a:endParaRPr lang="en-US"/>
           </a:p>
@@ -3773,7 +3775,7 @@
           <a:p>
             <a:fld id="{7A3EB572-C624-418B-8597-163D90616FC8}" type="datetime1">
               <a:rPr lang="ko-KR" altLang="en-US" smtClean="0"/>
-              <a:t>2022-07-07</a:t>
+              <a:t>2022-07-11</a:t>
             </a:fld>
             <a:endParaRPr lang="ko-KR" altLang="en-US" dirty="0"/>
           </a:p>
@@ -4006,7 +4008,7 @@
           <a:p>
             <a:fld id="{98D2B5FF-957F-493E-A036-A1B14CB1BDF4}" type="datetime1">
               <a:rPr lang="ko-KR" altLang="en-US" smtClean="0"/>
-              <a:t>2022-07-07</a:t>
+              <a:t>2022-07-11</a:t>
             </a:fld>
             <a:endParaRPr lang="en-US" dirty="0"/>
           </a:p>
@@ -4382,7 +4384,7 @@
           <a:p>
             <a:fld id="{12DB1AE6-F89A-4A3B-A7FF-0FB649FB73D9}" type="datetime1">
               <a:rPr lang="ko-KR" altLang="en-US" smtClean="0"/>
-              <a:t>2022-07-07</a:t>
+              <a:t>2022-07-11</a:t>
             </a:fld>
             <a:endParaRPr lang="en-US"/>
           </a:p>
@@ -4506,7 +4508,7 @@
           <a:p>
             <a:fld id="{D692FE0A-EA49-4D7D-9497-837FBECB3F6B}" type="datetime1">
               <a:rPr lang="ko-KR" altLang="en-US" smtClean="0"/>
-              <a:t>2022-07-07</a:t>
+              <a:t>2022-07-11</a:t>
             </a:fld>
             <a:endParaRPr lang="en-US"/>
           </a:p>
@@ -4602,7 +4604,7 @@
           <a:p>
             <a:fld id="{98D2B5FF-957F-493E-A036-A1B14CB1BDF4}" type="datetime1">
               <a:rPr lang="ko-KR" altLang="en-US" smtClean="0"/>
-              <a:t>2022-07-07</a:t>
+              <a:t>2022-07-11</a:t>
             </a:fld>
             <a:endParaRPr lang="en-US" dirty="0"/>
           </a:p>
@@ -4859,7 +4861,7 @@
           <a:p>
             <a:fld id="{490B79C2-6C94-403B-8C2C-F3D94681D3D0}" type="datetime1">
               <a:rPr lang="ko-KR" altLang="en-US" smtClean="0"/>
-              <a:t>2022-07-07</a:t>
+              <a:t>2022-07-11</a:t>
             </a:fld>
             <a:endParaRPr lang="en-US"/>
           </a:p>
@@ -5123,7 +5125,7 @@
           <a:p>
             <a:fld id="{85759F83-5FB7-41EB-8B77-54D18451864A}" type="datetime1">
               <a:rPr lang="ko-KR" altLang="en-US" smtClean="0"/>
-              <a:t>2022-07-07</a:t>
+              <a:t>2022-07-11</a:t>
             </a:fld>
             <a:endParaRPr lang="en-US" dirty="0"/>
           </a:p>
@@ -5868,7 +5870,7 @@
           <a:p>
             <a:fld id="{98D2B5FF-957F-493E-A036-A1B14CB1BDF4}" type="datetime1">
               <a:rPr lang="ko-KR" altLang="en-US" smtClean="0"/>
-              <a:t>2022-07-07</a:t>
+              <a:t>2022-07-11</a:t>
             </a:fld>
             <a:endParaRPr lang="en-US" dirty="0"/>
           </a:p>
@@ -6469,7 +6471,7 @@
             <a:r>
               <a:rPr lang="ko-KR" altLang="en-US" sz="3200" dirty="0">
                 <a:solidFill>
-                  <a:schemeClr val="tx1"/>
+                  <a:schemeClr val="bg1"/>
                 </a:solidFill>
                 <a:latin typeface="Malgun Gothic" panose="020B0503020000020004" pitchFamily="50" charset="-127"/>
                 <a:ea typeface="Malgun Gothic" panose="020B0503020000020004" pitchFamily="50" charset="-127"/>
@@ -6479,17 +6481,17 @@
             <a:r>
               <a:rPr lang="ko-KR" altLang="en-US" sz="3200" dirty="0" err="1">
                 <a:solidFill>
-                  <a:schemeClr val="tx1"/>
+                  <a:schemeClr val="bg1"/>
                 </a:solidFill>
                 <a:latin typeface="Malgun Gothic" panose="020B0503020000020004" pitchFamily="50" charset="-127"/>
                 <a:ea typeface="Malgun Gothic" panose="020B0503020000020004" pitchFamily="50" charset="-127"/>
               </a:rPr>
-              <a:t>파이선</a:t>
+              <a:t>파이썬</a:t>
             </a:r>
             <a:r>
               <a:rPr lang="en-US" altLang="ko-KR" sz="3200" dirty="0" err="1">
                 <a:solidFill>
-                  <a:schemeClr val="tx1"/>
+                  <a:schemeClr val="bg1"/>
                 </a:solidFill>
                 <a:latin typeface="Malgun Gothic" panose="020B0503020000020004" pitchFamily="50" charset="-127"/>
                 <a:ea typeface="Malgun Gothic" panose="020B0503020000020004" pitchFamily="50" charset="-127"/>
@@ -6499,7 +6501,7 @@
             <a:r>
               <a:rPr lang="en-US" altLang="ko-KR" sz="3200" dirty="0">
                 <a:solidFill>
-                  <a:schemeClr val="tx1"/>
+                  <a:schemeClr val="bg1"/>
                 </a:solidFill>
                 <a:latin typeface="Malgun Gothic" panose="020B0503020000020004" pitchFamily="50" charset="-127"/>
                 <a:ea typeface="Malgun Gothic" panose="020B0503020000020004" pitchFamily="50" charset="-127"/>
@@ -6509,7 +6511,7 @@
             <a:r>
               <a:rPr lang="ko-KR" altLang="en-US" sz="3200" dirty="0">
                 <a:solidFill>
-                  <a:schemeClr val="tx1"/>
+                  <a:schemeClr val="bg1"/>
                 </a:solidFill>
                 <a:latin typeface="Malgun Gothic" panose="020B0503020000020004" pitchFamily="50" charset="-127"/>
                 <a:ea typeface="Malgun Gothic" panose="020B0503020000020004" pitchFamily="50" charset="-127"/>
@@ -6518,7 +6520,7 @@
             </a:r>
             <a:endParaRPr lang="ko" sz="3200" dirty="0">
               <a:solidFill>
-                <a:schemeClr val="tx1"/>
+                <a:schemeClr val="bg1"/>
               </a:solidFill>
               <a:latin typeface="Malgun Gothic" panose="020B0503020000020004" pitchFamily="50" charset="-127"/>
               <a:ea typeface="Malgun Gothic" panose="020B0503020000020004" pitchFamily="50" charset="-127"/>
@@ -6562,7 +6564,7 @@
             <a:r>
               <a:rPr lang="en-US" altLang="ko" sz="1800" dirty="0">
                 <a:solidFill>
-                  <a:schemeClr val="tx1"/>
+                  <a:schemeClr val="bg1"/>
                 </a:solidFill>
                 <a:latin typeface="Malgun Gothic" panose="020B0503020000020004" pitchFamily="50" charset="-127"/>
                 <a:ea typeface="Malgun Gothic" panose="020B0503020000020004" pitchFamily="50" charset="-127"/>
@@ -6572,7 +6574,7 @@
             <a:r>
               <a:rPr lang="ko-KR" altLang="en-US" sz="1800" dirty="0" err="1">
                 <a:solidFill>
-                  <a:schemeClr val="tx1"/>
+                  <a:schemeClr val="bg1"/>
                 </a:solidFill>
                 <a:latin typeface="Malgun Gothic" panose="020B0503020000020004" pitchFamily="50" charset="-127"/>
                 <a:ea typeface="Malgun Gothic" panose="020B0503020000020004" pitchFamily="50" charset="-127"/>
@@ -6581,7 +6583,7 @@
             </a:r>
             <a:endParaRPr lang="ko" dirty="0">
               <a:solidFill>
-                <a:schemeClr val="tx1"/>
+                <a:schemeClr val="bg1"/>
               </a:solidFill>
               <a:latin typeface="Malgun Gothic" panose="020B0503020000020004" pitchFamily="50" charset="-127"/>
               <a:ea typeface="Malgun Gothic" panose="020B0503020000020004" pitchFamily="50" charset="-127"/>
@@ -6624,7 +6626,7 @@
           <p:cNvPr id="2" name="제목 1">
             <a:extLst>
               <a:ext uri="{FF2B5EF4-FFF2-40B4-BE49-F238E27FC236}">
-                <a16:creationId xmlns:a16="http://schemas.microsoft.com/office/drawing/2014/main" id="{F2A23C5E-32A1-ADA8-57A8-30DC008E37C8}"/>
+                <a16:creationId xmlns:a16="http://schemas.microsoft.com/office/drawing/2014/main" id="{549181DF-39DA-4899-9A8F-73A8D5E5B24B}"/>
               </a:ext>
             </a:extLst>
           </p:cNvPr>
@@ -6642,7 +6644,7 @@
           <a:p>
             <a:r>
               <a:rPr lang="ko-KR" altLang="en-US" dirty="0"/>
-              <a:t>개요</a:t>
+              <a:t>목차</a:t>
             </a:r>
           </a:p>
         </p:txBody>
@@ -6652,7 +6654,7 @@
           <p:cNvPr id="3" name="내용 개체 틀 2">
             <a:extLst>
               <a:ext uri="{FF2B5EF4-FFF2-40B4-BE49-F238E27FC236}">
-                <a16:creationId xmlns:a16="http://schemas.microsoft.com/office/drawing/2014/main" id="{F6554D2F-004F-0980-EA81-059D2228B470}"/>
+                <a16:creationId xmlns:a16="http://schemas.microsoft.com/office/drawing/2014/main" id="{3BE0A553-15F9-4CE5-A3E2-BC5A9345809B}"/>
               </a:ext>
             </a:extLst>
           </p:cNvPr>
@@ -6663,45 +6665,69 @@
             <p:ph idx="1"/>
           </p:nvPr>
         </p:nvSpPr>
-        <p:spPr>
-          <a:xfrm>
-            <a:off x="581539" y="1811383"/>
-            <a:ext cx="8596668" cy="3509554"/>
-          </a:xfrm>
-        </p:spPr>
+        <p:spPr/>
         <p:txBody>
           <a:bodyPr/>
           <a:lstStyle/>
           <a:p>
+            <a:pPr marL="0" indent="0">
+              <a:buNone/>
+            </a:pPr>
+            <a:r>
+              <a:rPr lang="en-US" altLang="ko-KR" dirty="0"/>
+              <a:t>1.</a:t>
+            </a:r>
             <a:r>
               <a:rPr lang="ko-KR" altLang="en-US" dirty="0"/>
-              <a:t>이 주제를 선정하게 된 이유는 다음과 같습니다</a:t>
-            </a:r>
+              <a:t>개요</a:t>
+            </a:r>
+            <a:endParaRPr lang="en-US" altLang="ko-KR" dirty="0"/>
+          </a:p>
+          <a:p>
+            <a:pPr marL="0" indent="0">
+              <a:buNone/>
+            </a:pPr>
             <a:r>
               <a:rPr lang="en-US" altLang="ko-KR" dirty="0"/>
-              <a:t>.</a:t>
-            </a:r>
-          </a:p>
-          <a:p>
+              <a:t>2.</a:t>
+            </a:r>
             <a:r>
               <a:rPr lang="ko-KR" altLang="en-US" dirty="0"/>
-              <a:t>평소에 주식과 코인에 관심이 있어 이쪽 분야에 관심을 갖게 되었습니다</a:t>
-            </a:r>
+              <a:t>간단한 설명</a:t>
+            </a:r>
+            <a:endParaRPr lang="en-US" altLang="ko-KR" dirty="0"/>
+          </a:p>
+          <a:p>
+            <a:pPr marL="0" indent="0">
+              <a:buNone/>
+            </a:pPr>
             <a:r>
               <a:rPr lang="en-US" altLang="ko-KR" dirty="0"/>
-              <a:t>. </a:t>
+              <a:t>3.</a:t>
             </a:r>
             <a:r>
               <a:rPr lang="ko-KR" altLang="en-US" dirty="0"/>
-              <a:t>마침 좋은 기회가 되어 블록체인기술을 간단하게 구현하고 이를 다른 사람들도 알아보기 쉽게 설명할 수 있겠다는 생각이 들었습니다</a:t>
-            </a:r>
+              <a:t>추진내용</a:t>
+            </a:r>
+            <a:endParaRPr lang="en-US" altLang="ko-KR" dirty="0"/>
+          </a:p>
+          <a:p>
+            <a:pPr marL="0" indent="0">
+              <a:buNone/>
+            </a:pPr>
             <a:r>
               <a:rPr lang="en-US" altLang="ko-KR" dirty="0"/>
-              <a:t>.</a:t>
-            </a:r>
-          </a:p>
-          <a:p>
-            <a:endParaRPr lang="en-US" altLang="ko-KR" dirty="0"/>
+              <a:t>4.</a:t>
+            </a:r>
+            <a:r>
+              <a:rPr lang="ko-KR" altLang="en-US" dirty="0"/>
+              <a:t>팀원간 </a:t>
+            </a:r>
+            <a:r>
+              <a:rPr lang="ko-KR" altLang="en-US" dirty="0" err="1"/>
+              <a:t>역활</a:t>
+            </a:r>
+            <a:endParaRPr lang="ko-KR" altLang="en-US" dirty="0"/>
           </a:p>
         </p:txBody>
       </p:sp>
@@ -6710,7 +6736,7 @@
           <p:cNvPr id="4" name="날짜 개체 틀 3">
             <a:extLst>
               <a:ext uri="{FF2B5EF4-FFF2-40B4-BE49-F238E27FC236}">
-                <a16:creationId xmlns:a16="http://schemas.microsoft.com/office/drawing/2014/main" id="{79CE14CB-D579-DF08-C9B9-72532D95DF8B}"/>
+                <a16:creationId xmlns:a16="http://schemas.microsoft.com/office/drawing/2014/main" id="{F6D91D5A-4FAA-4C88-8540-39F6EC7CFC19}"/>
               </a:ext>
             </a:extLst>
           </p:cNvPr>
@@ -6728,7 +6754,7 @@
           <a:p>
             <a:fld id="{2EABA43C-120F-4415-98B3-372D2FECC855}" type="datetime1">
               <a:rPr lang="ko-KR" altLang="en-US" smtClean="0"/>
-              <a:t>2022-07-07</a:t>
+              <a:t>2022-07-11</a:t>
             </a:fld>
             <a:endParaRPr lang="en-US"/>
           </a:p>
@@ -6737,7 +6763,7 @@
     </p:spTree>
     <p:extLst>
       <p:ext uri="{BB962C8B-B14F-4D97-AF65-F5344CB8AC3E}">
-        <p14:creationId xmlns:p14="http://schemas.microsoft.com/office/powerpoint/2010/main" val="930632131"/>
+        <p14:creationId xmlns:p14="http://schemas.microsoft.com/office/powerpoint/2010/main" val="3011563815"/>
       </p:ext>
     </p:extLst>
   </p:cSld>
@@ -6750,14 +6776,6 @@
 <file path=ppt/slides/slide3.xml><?xml version="1.0" encoding="utf-8"?>
 <p:sld xmlns:a="http://schemas.openxmlformats.org/drawingml/2006/main" xmlns:r="http://schemas.openxmlformats.org/officeDocument/2006/relationships" xmlns:p="http://schemas.openxmlformats.org/presentationml/2006/main">
   <p:cSld>
-    <p:bg>
-      <p:bgPr>
-        <a:solidFill>
-          <a:schemeClr val="bg1"/>
-        </a:solidFill>
-        <a:effectLst/>
-      </p:bgPr>
-    </p:bg>
     <p:spTree>
       <p:nvGrpSpPr>
         <p:cNvPr id="1" name=""/>
@@ -6777,7 +6795,7 @@
           <p:cNvPr id="2" name="제목 1">
             <a:extLst>
               <a:ext uri="{FF2B5EF4-FFF2-40B4-BE49-F238E27FC236}">
-                <a16:creationId xmlns:a16="http://schemas.microsoft.com/office/drawing/2014/main" id="{7A4919D0-F177-4BBA-9A0B-DBA69E2ED764}"/>
+                <a16:creationId xmlns:a16="http://schemas.microsoft.com/office/drawing/2014/main" id="{F2A23C5E-32A1-ADA8-57A8-30DC008E37C8}"/>
               </a:ext>
             </a:extLst>
           </p:cNvPr>
@@ -6790,29 +6808,22 @@
         </p:nvSpPr>
         <p:spPr/>
         <p:txBody>
-          <a:bodyPr rtlCol="0">
-            <a:normAutofit/>
-          </a:bodyPr>
+          <a:bodyPr/>
           <a:lstStyle/>
           <a:p>
-            <a:pPr algn="ctr" rtl="0"/>
             <a:r>
               <a:rPr lang="ko-KR" altLang="en-US" dirty="0"/>
-              <a:t>추진내용</a:t>
-            </a:r>
-            <a:endParaRPr lang="ko" dirty="0">
-              <a:latin typeface="+mj-ea"/>
-              <a:ea typeface="+mj-ea"/>
-            </a:endParaRPr>
-          </a:p>
-        </p:txBody>
-      </p:sp>
-      <p:sp>
-        <p:nvSpPr>
-          <p:cNvPr id="4" name="내용 개체 틀 3">
+              <a:t>개요</a:t>
+            </a:r>
+          </a:p>
+        </p:txBody>
+      </p:sp>
+      <p:sp>
+        <p:nvSpPr>
+          <p:cNvPr id="3" name="내용 개체 틀 2">
             <a:extLst>
               <a:ext uri="{FF2B5EF4-FFF2-40B4-BE49-F238E27FC236}">
-                <a16:creationId xmlns:a16="http://schemas.microsoft.com/office/drawing/2014/main" id="{5AFD94C7-A978-6566-41B9-7AE526015CE1}"/>
+                <a16:creationId xmlns:a16="http://schemas.microsoft.com/office/drawing/2014/main" id="{F6554D2F-004F-0980-EA81-059D2228B470}"/>
               </a:ext>
             </a:extLst>
           </p:cNvPr>
@@ -6825,8 +6836,8 @@
         </p:nvSpPr>
         <p:spPr>
           <a:xfrm>
-            <a:off x="1066799" y="2103120"/>
-            <a:ext cx="10409583" cy="4019384"/>
+            <a:off x="581539" y="1811383"/>
+            <a:ext cx="8596668" cy="3509554"/>
           </a:xfrm>
         </p:spPr>
         <p:txBody>
@@ -6835,38 +6846,7 @@
           <a:p>
             <a:r>
               <a:rPr lang="ko-KR" altLang="en-US" dirty="0"/>
-              <a:t>블록체인기술을 간단하게 </a:t>
-            </a:r>
-            <a:r>
-              <a:rPr lang="en-US" altLang="ko-KR" dirty="0"/>
-              <a:t>python</a:t>
-            </a:r>
-            <a:r>
-              <a:rPr lang="ko-KR" altLang="en-US" dirty="0"/>
-              <a:t>을 통해 구현해보는 것이 목표</a:t>
-            </a:r>
-            <a:endParaRPr lang="en-US" altLang="ko-KR" dirty="0"/>
-          </a:p>
-          <a:p>
-            <a:r>
-              <a:rPr lang="ko-KR" altLang="en-US" dirty="0"/>
-              <a:t>블록체인기술은 채굴을 담당하는 </a:t>
-            </a:r>
-            <a:r>
-              <a:rPr lang="en-US" altLang="ko-KR" dirty="0"/>
-              <a:t>Mining</a:t>
-            </a:r>
-            <a:r>
-              <a:rPr lang="ko-KR" altLang="en-US" dirty="0"/>
-              <a:t>과 암호화하여 이를 보관하는 암호화 지갑 즉 </a:t>
-            </a:r>
-            <a:r>
-              <a:rPr lang="en-US" altLang="ko-KR" dirty="0"/>
-              <a:t>Wallet</a:t>
-            </a:r>
-            <a:r>
-              <a:rPr lang="ko-KR" altLang="en-US" dirty="0"/>
-              <a:t>의 구현을 필요로 한다</a:t>
+              <a:t>이 주제를 선정하게 된 이유는 다음과 같습니다</a:t>
             </a:r>
             <a:r>
               <a:rPr lang="en-US" altLang="ko-KR" dirty="0"/>
@@ -6876,23 +6856,7 @@
           <a:p>
             <a:r>
               <a:rPr lang="ko-KR" altLang="en-US" dirty="0"/>
-              <a:t>따라서 </a:t>
-            </a:r>
-            <a:r>
-              <a:rPr lang="en-US" altLang="ko-KR" dirty="0"/>
-              <a:t>Wallet</a:t>
-            </a:r>
-            <a:r>
-              <a:rPr lang="ko-KR" altLang="en-US" dirty="0"/>
-              <a:t>의 구현을 위해 </a:t>
-            </a:r>
-            <a:r>
-              <a:rPr lang="en-US" altLang="ko-KR" dirty="0"/>
-              <a:t>flask</a:t>
-            </a:r>
-            <a:r>
-              <a:rPr lang="ko-KR" altLang="en-US" dirty="0"/>
-              <a:t>를 통해 이 지갑의 서버를 생성하고 타원 곡선 전자 서명 알고리즘을 통해 보안성을 구현하는 것이 목표이다</a:t>
+              <a:t>평소에 주식과 코인에 관심이 있어 이쪽 분야에 관심을 갖게 되었습니다</a:t>
             </a:r>
             <a:r>
               <a:rPr lang="en-US" altLang="ko-KR" dirty="0"/>
@@ -6900,39 +6864,7 @@
             </a:r>
             <a:r>
               <a:rPr lang="ko-KR" altLang="en-US" dirty="0"/>
-              <a:t>또한 </a:t>
-            </a:r>
-            <a:r>
-              <a:rPr lang="en-US" altLang="ko-KR" dirty="0"/>
-              <a:t>Wallet</a:t>
-            </a:r>
-            <a:r>
-              <a:rPr lang="ko-KR" altLang="en-US" dirty="0"/>
-              <a:t>은 서로의 서버에 코인을 </a:t>
-            </a:r>
-            <a:r>
-              <a:rPr lang="ko-KR" altLang="en-US" dirty="0" err="1"/>
-              <a:t>전달할때</a:t>
-            </a:r>
-            <a:r>
-              <a:rPr lang="ko-KR" altLang="en-US" dirty="0"/>
-              <a:t> 보안키가 필요하기 때문에 서버 생성시 자동으로 </a:t>
-            </a:r>
-            <a:r>
-              <a:rPr lang="en-US" altLang="ko-KR" dirty="0"/>
-              <a:t>private key </a:t>
-            </a:r>
-            <a:r>
-              <a:rPr lang="ko-KR" altLang="en-US" dirty="0"/>
-              <a:t>와 </a:t>
-            </a:r>
-            <a:r>
-              <a:rPr lang="en-US" altLang="ko-KR" dirty="0"/>
-              <a:t>public key</a:t>
-            </a:r>
-            <a:r>
-              <a:rPr lang="ko-KR" altLang="en-US" dirty="0"/>
-              <a:t>를 생성하도록 구현하는 것이 목표이다</a:t>
+              <a:t>마침 좋은 기회가 되어 블록체인기술을 간단하게 구현하고 이를 다른 사람들도 알아보기 쉽게 설명할 수 있겠다는 생각이 들었습니다</a:t>
             </a:r>
             <a:r>
               <a:rPr lang="en-US" altLang="ko-KR" dirty="0"/>
@@ -6940,51 +6872,43 @@
             </a:r>
           </a:p>
           <a:p>
-            <a:r>
-              <a:rPr lang="en-US" altLang="ko-KR" dirty="0"/>
-              <a:t>Mining</a:t>
-            </a:r>
-            <a:r>
-              <a:rPr lang="ko-KR" altLang="en-US" dirty="0"/>
-              <a:t>은 일련의 채굴과정을 통해 채굴된 코인이 </a:t>
-            </a:r>
-            <a:r>
-              <a:rPr lang="en-US" altLang="ko-KR" dirty="0"/>
-              <a:t>Wallet</a:t>
-            </a:r>
-            <a:r>
-              <a:rPr lang="ko-KR" altLang="en-US" dirty="0"/>
-              <a:t>으로 전달되도록 하게 구현하는 것을 목표로 한다</a:t>
-            </a:r>
-            <a:r>
-              <a:rPr lang="en-US" altLang="ko-KR" dirty="0"/>
-              <a:t>.</a:t>
-            </a:r>
-          </a:p>
-          <a:p>
-            <a:r>
-              <a:rPr lang="ko-KR" altLang="en-US" dirty="0"/>
-              <a:t>마지막으로 </a:t>
-            </a:r>
-            <a:r>
-              <a:rPr lang="en-US" altLang="ko-KR" dirty="0"/>
-              <a:t>python GUI</a:t>
-            </a:r>
-            <a:r>
-              <a:rPr lang="ko-KR" altLang="en-US" dirty="0"/>
-              <a:t>를 이용해 일련의 과정들을 간단하게 정리하여 다른 사람들도 이 과정이 어떤 식으로 작동하는지 쉽게 알아볼 수 있게 하는 것이 목표이다</a:t>
-            </a:r>
-            <a:r>
-              <a:rPr lang="en-US" altLang="ko-KR" dirty="0"/>
-              <a:t>.</a:t>
-            </a:r>
+            <a:endParaRPr lang="en-US" altLang="ko-KR" dirty="0"/>
+          </a:p>
+        </p:txBody>
+      </p:sp>
+      <p:sp>
+        <p:nvSpPr>
+          <p:cNvPr id="4" name="날짜 개체 틀 3">
+            <a:extLst>
+              <a:ext uri="{FF2B5EF4-FFF2-40B4-BE49-F238E27FC236}">
+                <a16:creationId xmlns:a16="http://schemas.microsoft.com/office/drawing/2014/main" id="{79CE14CB-D579-DF08-C9B9-72532D95DF8B}"/>
+              </a:ext>
+            </a:extLst>
+          </p:cNvPr>
+          <p:cNvSpPr>
+            <a:spLocks noGrp="1"/>
+          </p:cNvSpPr>
+          <p:nvPr>
+            <p:ph type="dt" sz="half" idx="10"/>
+          </p:nvPr>
+        </p:nvSpPr>
+        <p:spPr/>
+        <p:txBody>
+          <a:bodyPr/>
+          <a:lstStyle/>
+          <a:p>
+            <a:fld id="{2EABA43C-120F-4415-98B3-372D2FECC855}" type="datetime1">
+              <a:rPr lang="ko-KR" altLang="en-US" smtClean="0"/>
+              <a:t>2022-07-11</a:t>
+            </a:fld>
+            <a:endParaRPr lang="en-US"/>
           </a:p>
         </p:txBody>
       </p:sp>
     </p:spTree>
     <p:extLst>
       <p:ext uri="{BB962C8B-B14F-4D97-AF65-F5344CB8AC3E}">
-        <p14:creationId xmlns:p14="http://schemas.microsoft.com/office/powerpoint/2010/main" val="183243182"/>
+        <p14:creationId xmlns:p14="http://schemas.microsoft.com/office/powerpoint/2010/main" val="930632131"/>
       </p:ext>
     </p:extLst>
   </p:cSld>
@@ -7016,6 +6940,504 @@
           <p:cNvPr id="2" name="제목 1">
             <a:extLst>
               <a:ext uri="{FF2B5EF4-FFF2-40B4-BE49-F238E27FC236}">
+                <a16:creationId xmlns:a16="http://schemas.microsoft.com/office/drawing/2014/main" id="{8AB52F15-86BB-4828-922E-894D3E329A69}"/>
+              </a:ext>
+            </a:extLst>
+          </p:cNvPr>
+          <p:cNvSpPr>
+            <a:spLocks noGrp="1"/>
+          </p:cNvSpPr>
+          <p:nvPr>
+            <p:ph type="title"/>
+          </p:nvPr>
+        </p:nvSpPr>
+        <p:spPr/>
+        <p:txBody>
+          <a:bodyPr/>
+          <a:lstStyle/>
+          <a:p>
+            <a:r>
+              <a:rPr lang="ko-KR" altLang="en-US" dirty="0" err="1"/>
+              <a:t>블록체인이란</a:t>
+            </a:r>
+            <a:r>
+              <a:rPr lang="en-US" altLang="ko-KR" dirty="0"/>
+              <a:t>?</a:t>
+            </a:r>
+            <a:endParaRPr lang="ko-KR" altLang="en-US" dirty="0"/>
+          </a:p>
+        </p:txBody>
+      </p:sp>
+      <p:sp>
+        <p:nvSpPr>
+          <p:cNvPr id="3" name="내용 개체 틀 2">
+            <a:extLst>
+              <a:ext uri="{FF2B5EF4-FFF2-40B4-BE49-F238E27FC236}">
+                <a16:creationId xmlns:a16="http://schemas.microsoft.com/office/drawing/2014/main" id="{5D491365-2C6A-4909-B31A-21B3031AC7F9}"/>
+              </a:ext>
+            </a:extLst>
+          </p:cNvPr>
+          <p:cNvSpPr>
+            <a:spLocks noGrp="1"/>
+          </p:cNvSpPr>
+          <p:nvPr>
+            <p:ph idx="1"/>
+          </p:nvPr>
+        </p:nvSpPr>
+        <p:spPr/>
+        <p:txBody>
+          <a:bodyPr>
+            <a:normAutofit lnSpcReduction="10000"/>
+          </a:bodyPr>
+          <a:lstStyle/>
+          <a:p>
+            <a:r>
+              <a:rPr lang="ko-KR" altLang="en-US" b="1" dirty="0"/>
+              <a:t>블록체인</a:t>
+            </a:r>
+            <a:r>
+              <a:rPr lang="ko-KR" altLang="en-US" dirty="0"/>
+              <a:t>은 분산 컴퓨팅 기술 기반의 데이터 </a:t>
+            </a:r>
+            <a:r>
+              <a:rPr lang="ko-KR" altLang="en-US" dirty="0" err="1"/>
+              <a:t>위변조</a:t>
+            </a:r>
+            <a:r>
+              <a:rPr lang="ko-KR" altLang="en-US" dirty="0"/>
+              <a:t> 방지 기술이다</a:t>
+            </a:r>
+            <a:r>
+              <a:rPr lang="en-US" altLang="ko-KR" dirty="0"/>
+              <a:t>.</a:t>
+            </a:r>
+            <a:br>
+              <a:rPr lang="ko-KR" altLang="en-US" dirty="0"/>
+            </a:br>
+            <a:r>
+              <a:rPr lang="en-US" altLang="ko-KR" dirty="0"/>
+              <a:t>P2P </a:t>
+            </a:r>
+            <a:r>
+              <a:rPr lang="ko-KR" altLang="en-US" dirty="0"/>
+              <a:t>방식을 기반으로 하여 소규모 데이터들이 체인 형태로 무수히 연결되어 형성된 ＇</a:t>
+            </a:r>
+            <a:r>
+              <a:rPr lang="ko-KR" altLang="en-US" dirty="0" err="1"/>
+              <a:t>블록＇이라는</a:t>
+            </a:r>
+            <a:r>
+              <a:rPr lang="ko-KR" altLang="en-US" dirty="0"/>
+              <a:t> 분산 데이터 저장 환경에 관리 대상 데이터를 저장함으로써 누구도 임의로 수정할 수 없고 누구나 변경의 결과를 열람할 수 있게끔 만드는 기술이다</a:t>
+            </a:r>
+            <a:r>
+              <a:rPr lang="en-US" altLang="ko-KR" dirty="0"/>
+              <a:t>.</a:t>
+            </a:r>
+            <a:br>
+              <a:rPr lang="ko-KR" altLang="en-US" dirty="0"/>
+            </a:br>
+            <a:r>
+              <a:rPr lang="ko-KR" altLang="en-US" dirty="0"/>
+              <a:t>블록에는 해당 블록이 발견되기 이전에 사용자들에게 전파되었던 모든 거래 내역이 기록되어 있고</a:t>
+            </a:r>
+            <a:r>
+              <a:rPr lang="en-US" altLang="ko-KR" dirty="0"/>
+              <a:t>, </a:t>
+            </a:r>
+            <a:r>
+              <a:rPr lang="ko-KR" altLang="en-US" dirty="0"/>
+              <a:t>이것은 </a:t>
+            </a:r>
+            <a:r>
+              <a:rPr lang="en-US" altLang="ko-KR" dirty="0"/>
+              <a:t>P2P</a:t>
+            </a:r>
+            <a:r>
+              <a:rPr lang="ko-KR" altLang="en-US" dirty="0"/>
+              <a:t> 방식으로 모든 사용자에게 똑같이 전송되므로 거래 내역을 임의로 수정하거나 누락시킬 수 없다</a:t>
+            </a:r>
+            <a:r>
+              <a:rPr lang="en-US" altLang="ko-KR" dirty="0"/>
+              <a:t>. </a:t>
+            </a:r>
+            <a:r>
+              <a:rPr lang="ko-KR" altLang="en-US" dirty="0"/>
+              <a:t>블록은 발견된 날짜와 이전 블록에 대한 연결고리를 가지고 있으며 이러한 블록들의 집합을 블록체인이라 칭한다</a:t>
+            </a:r>
+            <a:r>
+              <a:rPr lang="en-US" altLang="ko-KR" dirty="0"/>
+              <a:t>. </a:t>
+            </a:r>
+            <a:r>
+              <a:rPr lang="ko-KR" altLang="en-US" dirty="0"/>
+              <a:t>쉽게 말하자면 수많은 기록을 그냥 한 묶음으로 만들어 버리는 기술이다</a:t>
+            </a:r>
+            <a:r>
+              <a:rPr lang="en-US" altLang="ko-KR" dirty="0"/>
+              <a:t>.</a:t>
+            </a:r>
+            <a:br>
+              <a:rPr lang="ko-KR" altLang="en-US" dirty="0"/>
+            </a:br>
+            <a:r>
+              <a:rPr lang="ko-KR" altLang="en-US" dirty="0"/>
+              <a:t>기존에 전자화폐로 거래할 때 중앙 서버에 거래 기록을 보관하는 것과는 달리</a:t>
+            </a:r>
+            <a:r>
+              <a:rPr lang="en-US" altLang="ko-KR" dirty="0"/>
+              <a:t>, </a:t>
+            </a:r>
+            <a:r>
+              <a:rPr lang="ko-KR" altLang="en-US" dirty="0"/>
+              <a:t>블록체인은 모든 사용자에게 거래 기록을 보여주며 서로 비교해 위조를 막는다</a:t>
+            </a:r>
+            <a:r>
+              <a:rPr lang="en-US" altLang="ko-KR" dirty="0"/>
+              <a:t>.</a:t>
+            </a:r>
+            <a:br>
+              <a:rPr lang="ko-KR" altLang="en-US" dirty="0"/>
+            </a:br>
+            <a:endParaRPr lang="ko-KR" altLang="en-US" dirty="0"/>
+          </a:p>
+        </p:txBody>
+      </p:sp>
+      <p:sp>
+        <p:nvSpPr>
+          <p:cNvPr id="4" name="날짜 개체 틀 3">
+            <a:extLst>
+              <a:ext uri="{FF2B5EF4-FFF2-40B4-BE49-F238E27FC236}">
+                <a16:creationId xmlns:a16="http://schemas.microsoft.com/office/drawing/2014/main" id="{26418545-0A30-493B-8B1D-17FC14024EDC}"/>
+              </a:ext>
+            </a:extLst>
+          </p:cNvPr>
+          <p:cNvSpPr>
+            <a:spLocks noGrp="1"/>
+          </p:cNvSpPr>
+          <p:nvPr>
+            <p:ph type="dt" sz="half" idx="10"/>
+          </p:nvPr>
+        </p:nvSpPr>
+        <p:spPr/>
+        <p:txBody>
+          <a:bodyPr/>
+          <a:lstStyle/>
+          <a:p>
+            <a:fld id="{2EABA43C-120F-4415-98B3-372D2FECC855}" type="datetime1">
+              <a:rPr lang="ko-KR" altLang="en-US" smtClean="0"/>
+              <a:t>2022-07-11</a:t>
+            </a:fld>
+            <a:endParaRPr lang="en-US"/>
+          </a:p>
+        </p:txBody>
+      </p:sp>
+    </p:spTree>
+    <p:extLst>
+      <p:ext uri="{BB962C8B-B14F-4D97-AF65-F5344CB8AC3E}">
+        <p14:creationId xmlns:p14="http://schemas.microsoft.com/office/powerpoint/2010/main" val="688157143"/>
+      </p:ext>
+    </p:extLst>
+  </p:cSld>
+  <p:clrMapOvr>
+    <a:masterClrMapping/>
+  </p:clrMapOvr>
+</p:sld>
+</file>
+
+<file path=ppt/slides/slide5.xml><?xml version="1.0" encoding="utf-8"?>
+<p:sld xmlns:a="http://schemas.openxmlformats.org/drawingml/2006/main" xmlns:r="http://schemas.openxmlformats.org/officeDocument/2006/relationships" xmlns:p="http://schemas.openxmlformats.org/presentationml/2006/main">
+  <p:cSld>
+    <p:bg>
+      <p:bgPr>
+        <a:solidFill>
+          <a:schemeClr val="bg1"/>
+        </a:solidFill>
+        <a:effectLst/>
+      </p:bgPr>
+    </p:bg>
+    <p:spTree>
+      <p:nvGrpSpPr>
+        <p:cNvPr id="1" name=""/>
+        <p:cNvGrpSpPr/>
+        <p:nvPr/>
+      </p:nvGrpSpPr>
+      <p:grpSpPr>
+        <a:xfrm>
+          <a:off x="0" y="0"/>
+          <a:ext cx="0" cy="0"/>
+          <a:chOff x="0" y="0"/>
+          <a:chExt cx="0" cy="0"/>
+        </a:xfrm>
+      </p:grpSpPr>
+      <p:sp>
+        <p:nvSpPr>
+          <p:cNvPr id="2" name="제목 1">
+            <a:extLst>
+              <a:ext uri="{FF2B5EF4-FFF2-40B4-BE49-F238E27FC236}">
+                <a16:creationId xmlns:a16="http://schemas.microsoft.com/office/drawing/2014/main" id="{7A4919D0-F177-4BBA-9A0B-DBA69E2ED764}"/>
+              </a:ext>
+            </a:extLst>
+          </p:cNvPr>
+          <p:cNvSpPr>
+            <a:spLocks noGrp="1"/>
+          </p:cNvSpPr>
+          <p:nvPr>
+            <p:ph type="title"/>
+          </p:nvPr>
+        </p:nvSpPr>
+        <p:spPr/>
+        <p:txBody>
+          <a:bodyPr rtlCol="0">
+            <a:normAutofit/>
+          </a:bodyPr>
+          <a:lstStyle/>
+          <a:p>
+            <a:pPr algn="ctr" rtl="0"/>
+            <a:r>
+              <a:rPr lang="ko-KR" altLang="en-US" dirty="0"/>
+              <a:t>추진내용</a:t>
+            </a:r>
+            <a:endParaRPr lang="ko" dirty="0">
+              <a:latin typeface="+mj-ea"/>
+              <a:ea typeface="+mj-ea"/>
+            </a:endParaRPr>
+          </a:p>
+        </p:txBody>
+      </p:sp>
+      <p:sp>
+        <p:nvSpPr>
+          <p:cNvPr id="4" name="내용 개체 틀 3">
+            <a:extLst>
+              <a:ext uri="{FF2B5EF4-FFF2-40B4-BE49-F238E27FC236}">
+                <a16:creationId xmlns:a16="http://schemas.microsoft.com/office/drawing/2014/main" id="{5AFD94C7-A978-6566-41B9-7AE526015CE1}"/>
+              </a:ext>
+            </a:extLst>
+          </p:cNvPr>
+          <p:cNvSpPr>
+            <a:spLocks noGrp="1"/>
+          </p:cNvSpPr>
+          <p:nvPr>
+            <p:ph idx="1"/>
+          </p:nvPr>
+        </p:nvSpPr>
+        <p:spPr>
+          <a:xfrm>
+            <a:off x="1066799" y="2103120"/>
+            <a:ext cx="10409583" cy="4019384"/>
+          </a:xfrm>
+        </p:spPr>
+        <p:txBody>
+          <a:bodyPr>
+            <a:normAutofit fontScale="92500"/>
+          </a:bodyPr>
+          <a:lstStyle/>
+          <a:p>
+            <a:r>
+              <a:rPr lang="ko-KR" altLang="en-US" dirty="0"/>
+              <a:t>블록체인기술을 간단하게 </a:t>
+            </a:r>
+            <a:r>
+              <a:rPr lang="en-US" altLang="ko-KR" dirty="0"/>
+              <a:t>python</a:t>
+            </a:r>
+            <a:r>
+              <a:rPr lang="ko-KR" altLang="en-US" dirty="0"/>
+              <a:t>을 통해 구현해보는 것이 목표</a:t>
+            </a:r>
+            <a:endParaRPr lang="en-US" altLang="ko-KR" dirty="0"/>
+          </a:p>
+          <a:p>
+            <a:r>
+              <a:rPr lang="ko-KR" altLang="en-US" dirty="0"/>
+              <a:t>블록체인기술은 채굴을 담당하는 </a:t>
+            </a:r>
+            <a:r>
+              <a:rPr lang="en-US" altLang="ko-KR" dirty="0"/>
+              <a:t>Mining</a:t>
+            </a:r>
+            <a:r>
+              <a:rPr lang="ko-KR" altLang="en-US" dirty="0"/>
+              <a:t>과 암호화하여 이를 보관하는 암호화 지갑 즉 </a:t>
+            </a:r>
+            <a:r>
+              <a:rPr lang="en-US" altLang="ko-KR" dirty="0"/>
+              <a:t>Wallet</a:t>
+            </a:r>
+            <a:r>
+              <a:rPr lang="ko-KR" altLang="en-US" dirty="0"/>
+              <a:t>의 구현을 필요로 한다</a:t>
+            </a:r>
+            <a:r>
+              <a:rPr lang="en-US" altLang="ko-KR" dirty="0"/>
+              <a:t>.</a:t>
+            </a:r>
+          </a:p>
+          <a:p>
+            <a:r>
+              <a:rPr lang="ko-KR" altLang="en-US" dirty="0"/>
+              <a:t>따라서 </a:t>
+            </a:r>
+            <a:r>
+              <a:rPr lang="en-US" altLang="ko-KR" dirty="0"/>
+              <a:t>Wallet</a:t>
+            </a:r>
+            <a:r>
+              <a:rPr lang="ko-KR" altLang="en-US" dirty="0"/>
+              <a:t>의 구현을 위해 </a:t>
+            </a:r>
+            <a:r>
+              <a:rPr lang="en-US" altLang="ko-KR" dirty="0"/>
+              <a:t>flask</a:t>
+            </a:r>
+            <a:r>
+              <a:rPr lang="ko-KR" altLang="en-US" dirty="0"/>
+              <a:t>를 통해 이 지갑의 서버를 생성하고 타원 곡선 전자 서명 알고리즘을 통해 보안성을 구현하는 것이 목표이다</a:t>
+            </a:r>
+            <a:r>
+              <a:rPr lang="en-US" altLang="ko-KR" dirty="0"/>
+              <a:t>. </a:t>
+            </a:r>
+            <a:r>
+              <a:rPr lang="ko-KR" altLang="en-US" dirty="0"/>
+              <a:t>또한 </a:t>
+            </a:r>
+            <a:r>
+              <a:rPr lang="en-US" altLang="ko-KR" dirty="0"/>
+              <a:t>Wallet</a:t>
+            </a:r>
+            <a:r>
+              <a:rPr lang="ko-KR" altLang="en-US" dirty="0"/>
+              <a:t>은 서로의 서버에 코인을 </a:t>
+            </a:r>
+            <a:r>
+              <a:rPr lang="ko-KR" altLang="en-US" dirty="0" err="1"/>
+              <a:t>전달할때</a:t>
+            </a:r>
+            <a:r>
+              <a:rPr lang="ko-KR" altLang="en-US" dirty="0"/>
+              <a:t> 보안키가 필요하기 때문에 서버 생성시 자동으로 </a:t>
+            </a:r>
+            <a:r>
+              <a:rPr lang="en-US" altLang="ko-KR" dirty="0"/>
+              <a:t>private key </a:t>
+            </a:r>
+            <a:r>
+              <a:rPr lang="ko-KR" altLang="en-US" dirty="0"/>
+              <a:t>와 </a:t>
+            </a:r>
+            <a:r>
+              <a:rPr lang="en-US" altLang="ko-KR" dirty="0"/>
+              <a:t>public key</a:t>
+            </a:r>
+            <a:r>
+              <a:rPr lang="ko-KR" altLang="en-US" dirty="0"/>
+              <a:t>를 생성하도록 구현하는 것이 목표이다</a:t>
+            </a:r>
+            <a:r>
+              <a:rPr lang="en-US" altLang="ko-KR" dirty="0"/>
+              <a:t>.</a:t>
+            </a:r>
+          </a:p>
+          <a:p>
+            <a:r>
+              <a:rPr lang="en-US" altLang="ko-KR" dirty="0"/>
+              <a:t>Mining</a:t>
+            </a:r>
+            <a:r>
+              <a:rPr lang="ko-KR" altLang="en-US" dirty="0"/>
+              <a:t>은 일련의 채굴과정을 통해 채굴된 코인이 </a:t>
+            </a:r>
+            <a:r>
+              <a:rPr lang="en-US" altLang="ko-KR" dirty="0"/>
+              <a:t>Wallet</a:t>
+            </a:r>
+            <a:r>
+              <a:rPr lang="ko-KR" altLang="en-US" dirty="0"/>
+              <a:t>으로 전달되도록 하게 구현하는 것을 목표로 한다</a:t>
+            </a:r>
+            <a:r>
+              <a:rPr lang="en-US" altLang="ko-KR" dirty="0"/>
+              <a:t>.</a:t>
+            </a:r>
+          </a:p>
+          <a:p>
+            <a:r>
+              <a:rPr lang="ko-KR" altLang="en-US" dirty="0" err="1"/>
+              <a:t>비트코인을</a:t>
+            </a:r>
+            <a:r>
+              <a:rPr lang="ko-KR" altLang="en-US" dirty="0"/>
+              <a:t> 예를 어려운 수학 연산을 푸는 방식으로 블록이 생성되고 연산을 푼 사람은 그 대가로 </a:t>
+            </a:r>
+            <a:r>
+              <a:rPr lang="ko-KR" altLang="en-US" dirty="0" err="1"/>
+              <a:t>비트코인을</a:t>
+            </a:r>
+            <a:r>
+              <a:rPr lang="ko-KR" altLang="en-US" dirty="0"/>
+              <a:t> 얻게 되는데 이러한 과정을 광산에서 광부가 금을 캐는 과정에 빗대 채굴이라고 불렀습니다</a:t>
+            </a:r>
+            <a:r>
+              <a:rPr lang="en-US" altLang="ko-KR" dirty="0"/>
+              <a:t>.</a:t>
+            </a:r>
+          </a:p>
+          <a:p>
+            <a:r>
+              <a:rPr lang="ko-KR" altLang="en-US" dirty="0"/>
+              <a:t>마지막으로 </a:t>
+            </a:r>
+            <a:r>
+              <a:rPr lang="en-US" altLang="ko-KR" dirty="0"/>
+              <a:t>python GUI</a:t>
+            </a:r>
+            <a:r>
+              <a:rPr lang="ko-KR" altLang="en-US" dirty="0"/>
+              <a:t>를 이용해 일련의 과정들을 간단하게 정리하여 다른 사람들도 이 과정이 어떤 식으로 작동하는지 쉽게 알아볼 수 있게 하는 것이 목표이다</a:t>
+            </a:r>
+            <a:r>
+              <a:rPr lang="en-US" altLang="ko-KR" dirty="0"/>
+              <a:t>.</a:t>
+            </a:r>
+          </a:p>
+        </p:txBody>
+      </p:sp>
+    </p:spTree>
+    <p:extLst>
+      <p:ext uri="{BB962C8B-B14F-4D97-AF65-F5344CB8AC3E}">
+        <p14:creationId xmlns:p14="http://schemas.microsoft.com/office/powerpoint/2010/main" val="183243182"/>
+      </p:ext>
+    </p:extLst>
+  </p:cSld>
+  <p:clrMapOvr>
+    <a:masterClrMapping/>
+  </p:clrMapOvr>
+</p:sld>
+</file>
+
+<file path=ppt/slides/slide6.xml><?xml version="1.0" encoding="utf-8"?>
+<p:sld xmlns:a="http://schemas.openxmlformats.org/drawingml/2006/main" xmlns:r="http://schemas.openxmlformats.org/officeDocument/2006/relationships" xmlns:p="http://schemas.openxmlformats.org/presentationml/2006/main">
+  <p:cSld>
+    <p:spTree>
+      <p:nvGrpSpPr>
+        <p:cNvPr id="1" name=""/>
+        <p:cNvGrpSpPr/>
+        <p:nvPr/>
+      </p:nvGrpSpPr>
+      <p:grpSpPr>
+        <a:xfrm>
+          <a:off x="0" y="0"/>
+          <a:ext cx="0" cy="0"/>
+          <a:chOff x="0" y="0"/>
+          <a:chExt cx="0" cy="0"/>
+        </a:xfrm>
+      </p:grpSpPr>
+      <p:sp>
+        <p:nvSpPr>
+          <p:cNvPr id="2" name="제목 1">
+            <a:extLst>
+              <a:ext uri="{FF2B5EF4-FFF2-40B4-BE49-F238E27FC236}">
                 <a16:creationId xmlns:a16="http://schemas.microsoft.com/office/drawing/2014/main" id="{B182F99E-48DE-0D4E-7372-FFEF59EC901B}"/>
               </a:ext>
             </a:extLst>
@@ -7095,7 +7517,7 @@
           <a:p>
             <a:fld id="{2EABA43C-120F-4415-98B3-372D2FECC855}" type="datetime1">
               <a:rPr lang="ko-KR" altLang="en-US" smtClean="0"/>
-              <a:t>2022-07-07</a:t>
+              <a:t>2022-07-11</a:t>
             </a:fld>
             <a:endParaRPr lang="en-US"/>
           </a:p>
